--- a/fall13/slidesF13/prepcheck-oct2.pptx
+++ b/fall13/slidesF13/prepcheck-oct2.pptx
@@ -3081,6 +3081,17 @@
 <file path=ppt/slides/slide1.xml><?xml version="1.0" encoding="utf-8"?>
 <p:sld xmlns:a="http://schemas.openxmlformats.org/drawingml/2006/main" xmlns:r="http://schemas.openxmlformats.org/officeDocument/2006/relationships" xmlns:p="http://schemas.openxmlformats.org/presentationml/2006/main">
   <p:cSld>
+    <p:bg>
+      <p:bgPr>
+        <a:solidFill>
+          <a:schemeClr val="tx2">
+            <a:lumMod val="20000"/>
+            <a:lumOff val="80000"/>
+          </a:schemeClr>
+        </a:solidFill>
+        <a:effectLst/>
+      </p:bgPr>
+    </p:bg>
     <p:spTree>
       <p:nvGrpSpPr>
         <p:cNvPr id="1" name=""/>
@@ -3122,14 +3133,7 @@
                 <a:latin typeface="Comic Sans MS"/>
                 <a:cs typeface="Comic Sans MS"/>
               </a:rPr>
-              <a:t>Preparation check, Oct. </a:t>
-            </a:r>
-            <a:r>
-              <a:rPr lang="en-US" sz="3200" b="1" dirty="0" smtClean="0">
-                <a:latin typeface="Comic Sans MS"/>
-                <a:cs typeface="Comic Sans MS"/>
-              </a:rPr>
-              <a:t>2</a:t>
+              <a:t>Preparation check, Oct. 2</a:t>
             </a:r>
             <a:endParaRPr lang="en-US" sz="3200" b="1" dirty="0">
               <a:latin typeface="Comic Sans MS"/>
@@ -3150,13 +3154,13 @@
         </p:nvSpPr>
         <p:spPr>
           <a:xfrm>
-            <a:off x="1371600" y="1931013"/>
-            <a:ext cx="6400800" cy="2938682"/>
+            <a:off x="149411" y="1421212"/>
+            <a:ext cx="8845178" cy="4015575"/>
           </a:xfrm>
         </p:spPr>
         <p:txBody>
           <a:bodyPr>
-            <a:normAutofit fontScale="92500" lnSpcReduction="10000"/>
+            <a:noAutofit/>
           </a:bodyPr>
           <a:lstStyle/>
           <a:p>
@@ -3165,58 +3169,69 @@
               <a:buAutoNum type="arabicPeriod"/>
             </a:pPr>
             <a:r>
-              <a:rPr lang="ro-RO" dirty="0" smtClean="0">
+              <a:rPr lang="ro-RO" sz="4000" dirty="0" smtClean="0">
                 <a:solidFill>
                   <a:schemeClr val="tx1"/>
                 </a:solidFill>
                 <a:latin typeface="Comic Sans MS"/>
                 <a:cs typeface="Comic Sans MS"/>
               </a:rPr>
-              <a:t>Compute </a:t>
-            </a:r>
-            <a:r>
-              <a:rPr lang="ro-RO" dirty="0" smtClean="0">
+              <a:t>Calculate </a:t>
+            </a:r>
+            <a:r>
+              <a:rPr lang="ro-RO" sz="4000" dirty="0" smtClean="0">
                 <a:solidFill>
                   <a:srgbClr val="0000FF"/>
                 </a:solidFill>
                 <a:latin typeface="Comic Sans MS"/>
                 <a:cs typeface="Comic Sans MS"/>
               </a:rPr>
-              <a:t>gcd(676, 1053)</a:t>
-            </a:r>
-            <a:r>
-              <a:rPr lang="ro-RO" dirty="0" smtClean="0">
-                <a:solidFill>
-                  <a:schemeClr val="tx1"/>
+              <a:t>gcd(676, 1053</a:t>
+            </a:r>
+            <a:r>
+              <a:rPr lang="ro-RO" sz="4000" dirty="0" smtClean="0">
+                <a:solidFill>
+                  <a:srgbClr val="0000FF"/>
                 </a:solidFill>
                 <a:latin typeface="Comic Sans MS"/>
                 <a:cs typeface="Comic Sans MS"/>
               </a:rPr>
-              <a:t>.</a:t>
-            </a:r>
-          </a:p>
-          <a:p>
-            <a:pPr marL="514350" indent="-514350" algn="l">
-              <a:buFont typeface="+mj-lt"/>
-              <a:buAutoNum type="arabicPeriod"/>
-            </a:pPr>
-            <a:r>
-              <a:rPr lang="ro-RO" dirty="0" smtClean="0">
+              <a:t>)</a:t>
+            </a:r>
+            <a:r>
+              <a:rPr lang="ro-RO" sz="4000" dirty="0" smtClean="0">
                 <a:solidFill>
                   <a:schemeClr val="tx1"/>
                 </a:solidFill>
                 <a:latin typeface="Comic Sans MS"/>
                 <a:cs typeface="Comic Sans MS"/>
               </a:rPr>
-              <a:t>Fill in the blank:</a:t>
-            </a:r>
-          </a:p>
-          <a:p>
-            <a:pPr marL="514350" indent="-514350" algn="l">
-              <a:buFont typeface="+mj-lt"/>
-              <a:buAutoNum type="arabicPeriod"/>
-            </a:pPr>
-            <a:endParaRPr lang="ro-RO" dirty="0">
+              <a:t> </a:t>
+            </a:r>
+          </a:p>
+          <a:p>
+            <a:pPr algn="l"/>
+            <a:r>
+              <a:rPr lang="ro-RO" sz="4000" dirty="0">
+                <a:solidFill>
+                  <a:schemeClr val="tx1"/>
+                </a:solidFill>
+                <a:latin typeface="Comic Sans MS"/>
+                <a:cs typeface="Comic Sans MS"/>
+              </a:rPr>
+              <a:t> </a:t>
+            </a:r>
+            <a:r>
+              <a:rPr lang="ro-RO" sz="4000" dirty="0" smtClean="0">
+                <a:solidFill>
+                  <a:schemeClr val="tx1"/>
+                </a:solidFill>
+                <a:latin typeface="Comic Sans MS"/>
+                <a:cs typeface="Comic Sans MS"/>
+              </a:rPr>
+              <a:t>   showing your work.</a:t>
+            </a:r>
+            <a:endParaRPr lang="ro-RO" sz="4000" dirty="0" smtClean="0">
               <a:solidFill>
                 <a:schemeClr val="tx1"/>
               </a:solidFill>
@@ -3225,29 +3240,85 @@
             </a:endParaRPr>
           </a:p>
           <a:p>
-            <a:pPr algn="l"/>
-            <a:r>
-              <a:rPr lang="ro-RO" dirty="0" smtClean="0">
+            <a:pPr marL="514350" indent="-514350" algn="l">
+              <a:buFont typeface="+mj-lt"/>
+              <a:buAutoNum type="arabicPeriod" startAt="2"/>
+            </a:pPr>
+            <a:r>
+              <a:rPr lang="ro-RO" sz="4000" dirty="0" smtClean="0">
                 <a:solidFill>
                   <a:schemeClr val="tx1"/>
                 </a:solidFill>
                 <a:latin typeface="Comic Sans MS"/>
                 <a:cs typeface="Comic Sans MS"/>
               </a:rPr>
-              <a:t>An integer is a linear combination of </a:t>
-            </a:r>
-            <a:r>
-              <a:rPr lang="ro-RO" dirty="0" smtClean="0">
-                <a:solidFill>
-                  <a:srgbClr val="0000FF"/>
+              <a:t>Fill in the </a:t>
+            </a:r>
+            <a:r>
+              <a:rPr lang="ro-RO" sz="4000" dirty="0" smtClean="0">
+                <a:solidFill>
+                  <a:schemeClr val="tx1"/>
+                </a:solidFill>
+                <a:latin typeface="Comic Sans MS"/>
+                <a:cs typeface="Comic Sans MS"/>
+              </a:rPr>
+              <a:t>blank:  An </a:t>
+            </a:r>
+            <a:r>
+              <a:rPr lang="ro-RO" sz="4000" dirty="0" smtClean="0">
+                <a:solidFill>
+                  <a:schemeClr val="tx1"/>
+                </a:solidFill>
+                <a:latin typeface="Comic Sans MS"/>
+                <a:cs typeface="Comic Sans MS"/>
+              </a:rPr>
+              <a:t>integer is </a:t>
+            </a:r>
+            <a:r>
+              <a:rPr lang="ro-RO" sz="4000" dirty="0" smtClean="0">
+                <a:solidFill>
+                  <a:schemeClr val="tx1"/>
                 </a:solidFill>
                 <a:latin typeface="Comic Sans MS"/>
                 <a:cs typeface="Comic Sans MS"/>
               </a:rPr>
               <a:t>a</a:t>
             </a:r>
-            <a:r>
-              <a:rPr lang="ro-RO" dirty="0" smtClean="0">
+          </a:p>
+          <a:p>
+            <a:pPr algn="l"/>
+            <a:r>
+              <a:rPr lang="ro-RO" sz="4000" dirty="0" smtClean="0">
+                <a:solidFill>
+                  <a:schemeClr val="tx1"/>
+                </a:solidFill>
+                <a:latin typeface="Comic Sans MS"/>
+                <a:cs typeface="Comic Sans MS"/>
+              </a:rPr>
+              <a:t>   linear </a:t>
+            </a:r>
+            <a:r>
+              <a:rPr lang="ro-RO" sz="4000" dirty="0" smtClean="0">
+                <a:solidFill>
+                  <a:schemeClr val="tx1"/>
+                </a:solidFill>
+                <a:latin typeface="Comic Sans MS"/>
+                <a:cs typeface="Comic Sans MS"/>
+              </a:rPr>
+              <a:t>combination of </a:t>
+            </a:r>
+            <a:r>
+              <a:rPr lang="ro-RO" sz="4000" dirty="0" smtClean="0">
+                <a:solidFill>
+                  <a:srgbClr val="0000FF"/>
+                </a:solidFill>
+                <a:latin typeface="Comic Sans MS"/>
+                <a:cs typeface="Comic Sans MS"/>
+              </a:rPr>
+              <a:t>a</a:t>
+            </a:r>
+            <a:r>
+              <a:rPr lang="ro-RO" sz="4000" dirty="0" smtClean="0">
                 <a:solidFill>
                   <a:schemeClr val="tx1"/>
                 </a:solidFill>
@@ -3257,7 +3328,7 @@
               <a:t> and </a:t>
             </a:r>
             <a:r>
-              <a:rPr lang="ro-RO" dirty="0" smtClean="0">
+              <a:rPr lang="ro-RO" sz="4000" dirty="0" smtClean="0">
                 <a:solidFill>
                   <a:srgbClr val="0000FF"/>
                 </a:solidFill>
@@ -3267,26 +3338,79 @@
               <a:t>b</a:t>
             </a:r>
             <a:r>
-              <a:rPr lang="ro-RO" dirty="0" smtClean="0">
+              <a:rPr lang="ro-RO" sz="4000" dirty="0" smtClean="0">
                 <a:solidFill>
                   <a:schemeClr val="tx1"/>
                 </a:solidFill>
                 <a:latin typeface="Comic Sans MS"/>
                 <a:cs typeface="Comic Sans MS"/>
               </a:rPr>
-              <a:t> iff it is a multiple </a:t>
-            </a:r>
-            <a:r>
-              <a:rPr lang="ro-RO" dirty="0">
+              <a:t> </a:t>
+            </a:r>
+            <a:r>
+              <a:rPr lang="ro-RO" sz="4000" dirty="0" smtClean="0">
                 <a:solidFill>
                   <a:schemeClr val="tx1"/>
                 </a:solidFill>
                 <a:latin typeface="Comic Sans MS"/>
                 <a:cs typeface="Comic Sans MS"/>
               </a:rPr>
-              <a:t>of _____.</a:t>
-            </a:r>
-            <a:endParaRPr lang="en-US" dirty="0">
+              <a:t>iff</a:t>
+            </a:r>
+          </a:p>
+          <a:p>
+            <a:pPr algn="l"/>
+            <a:r>
+              <a:rPr lang="ro-RO" sz="4000" dirty="0" smtClean="0">
+                <a:solidFill>
+                  <a:schemeClr val="tx1"/>
+                </a:solidFill>
+                <a:latin typeface="Comic Sans MS"/>
+                <a:cs typeface="Comic Sans MS"/>
+              </a:rPr>
+              <a:t>   </a:t>
+            </a:r>
+            <a:r>
+              <a:rPr lang="ro-RO" sz="4000" dirty="0" smtClean="0">
+                <a:solidFill>
+                  <a:schemeClr val="tx1"/>
+                </a:solidFill>
+                <a:latin typeface="Comic Sans MS"/>
+                <a:cs typeface="Comic Sans MS"/>
+              </a:rPr>
+              <a:t>it </a:t>
+            </a:r>
+            <a:r>
+              <a:rPr lang="ro-RO" sz="4000" dirty="0" smtClean="0">
+                <a:solidFill>
+                  <a:schemeClr val="tx1"/>
+                </a:solidFill>
+                <a:latin typeface="Comic Sans MS"/>
+                <a:cs typeface="Comic Sans MS"/>
+              </a:rPr>
+              <a:t>is a multiple </a:t>
+            </a:r>
+            <a:r>
+              <a:rPr lang="ro-RO" sz="4000" dirty="0">
+                <a:solidFill>
+                  <a:schemeClr val="tx1"/>
+                </a:solidFill>
+                <a:latin typeface="Comic Sans MS"/>
+                <a:cs typeface="Comic Sans MS"/>
+              </a:rPr>
+              <a:t>of </a:t>
+            </a:r>
+            <a:r>
+              <a:rPr lang="ro-RO" sz="4000" dirty="0" smtClean="0">
+                <a:solidFill>
+                  <a:schemeClr val="tx1"/>
+                </a:solidFill>
+                <a:latin typeface="Comic Sans MS"/>
+                <a:cs typeface="Comic Sans MS"/>
+              </a:rPr>
+              <a:t>_______.</a:t>
+            </a:r>
+            <a:endParaRPr lang="en-US" sz="4000" dirty="0">
               <a:solidFill>
                 <a:schemeClr val="tx1"/>
               </a:solidFill>
